--- a/lessons/E_Polarization_Sentiment/polarity.pptx
+++ b/lessons/E_Polarization_Sentiment/polarity.pptx
@@ -5,7 +5,7 @@
     <p:sldMasterId id="2147483660" r:id="rId1"/>
   </p:sldMasterIdLst>
   <p:notesMasterIdLst>
-    <p:notesMasterId r:id="rId16"/>
+    <p:notesMasterId r:id="rId17"/>
   </p:notesMasterIdLst>
   <p:sldIdLst>
     <p:sldId id="593" r:id="rId2"/>
@@ -22,6 +22,7 @@
     <p:sldId id="814" r:id="rId13"/>
     <p:sldId id="816" r:id="rId14"/>
     <p:sldId id="835" r:id="rId15"/>
+    <p:sldId id="836" r:id="rId16"/>
   </p:sldIdLst>
   <p:sldSz cx="9144000" cy="6858000" type="screen4x3"/>
   <p:notesSz cx="6858000" cy="9144000"/>
@@ -1277,7 +1278,7 @@
           <a:p>
             <a:fld id="{B0C0A60C-850A-4EA4-9C14-A8FE98B94505}" type="datetimeFigureOut">
               <a:rPr lang="en-US" smtClean="0"/>
-              <a:t>2/21/21</a:t>
+              <a:t>2/24/21</a:t>
             </a:fld>
             <a:endParaRPr lang="en-US"/>
           </a:p>
@@ -1676,7 +1677,7 @@
           <a:p>
             <a:fld id="{5738B90E-0779-4C36-915C-6F05FCD89456}" type="datetime1">
               <a:rPr lang="en-US" smtClean="0"/>
-              <a:t>2/21/21</a:t>
+              <a:t>2/24/21</a:t>
             </a:fld>
             <a:endParaRPr lang="en-US"/>
           </a:p>
@@ -1873,7 +1874,7 @@
           <a:p>
             <a:fld id="{7B9EA29D-D431-42FE-B7B6-AAE4454C77D3}" type="datetime1">
               <a:rPr lang="en-US" smtClean="0"/>
-              <a:t>2/21/21</a:t>
+              <a:t>2/24/21</a:t>
             </a:fld>
             <a:endParaRPr lang="en-US"/>
           </a:p>
@@ -2228,7 +2229,7 @@
           <a:p>
             <a:fld id="{690D8A1E-EA8F-46C1-B891-AE0C00D9C314}" type="datetime1">
               <a:rPr lang="en-US" smtClean="0"/>
-              <a:t>2/21/21</a:t>
+              <a:t>2/24/21</a:t>
             </a:fld>
             <a:endParaRPr lang="en-US"/>
           </a:p>
@@ -2536,7 +2537,7 @@
           <a:p>
             <a:fld id="{D753EFC8-4232-4598-94F6-94C0EBAFC469}" type="datetime1">
               <a:rPr lang="en-US" smtClean="0"/>
-              <a:t>2/21/21</a:t>
+              <a:t>2/24/21</a:t>
             </a:fld>
             <a:endParaRPr lang="en-US"/>
           </a:p>
@@ -2865,7 +2866,7 @@
           <a:p>
             <a:fld id="{F3161074-1C18-4AE7-957D-F18524378C85}" type="datetime1">
               <a:rPr lang="en-US" smtClean="0"/>
-              <a:t>2/21/21</a:t>
+              <a:t>2/24/21</a:t>
             </a:fld>
             <a:endParaRPr lang="en-US"/>
           </a:p>
@@ -3118,7 +3119,7 @@
           <a:p>
             <a:fld id="{69BE256C-8D9A-4404-B47D-41A1AE514425}" type="datetime1">
               <a:rPr lang="en-US" smtClean="0"/>
-              <a:t>2/21/21</a:t>
+              <a:t>2/24/21</a:t>
             </a:fld>
             <a:endParaRPr lang="en-US"/>
           </a:p>
@@ -3566,7 +3567,7 @@
           <a:p>
             <a:fld id="{66CB2154-9035-4012-8189-BAAB61C5A5EE}" type="datetime1">
               <a:rPr lang="en-US" smtClean="0"/>
-              <a:t>2/21/21</a:t>
+              <a:t>2/24/21</a:t>
             </a:fld>
             <a:endParaRPr lang="en-US"/>
           </a:p>
@@ -3754,7 +3755,7 @@
           <a:p>
             <a:fld id="{6700A58B-DD98-43D0-B791-721480A02982}" type="datetime1">
               <a:rPr lang="en-US" smtClean="0"/>
-              <a:t>2/21/21</a:t>
+              <a:t>2/24/21</a:t>
             </a:fld>
             <a:endParaRPr lang="en-US"/>
           </a:p>
@@ -3960,7 +3961,7 @@
           <a:p>
             <a:fld id="{7DB6E382-4F61-4E24-BE1A-377EC83D0E3A}" type="datetime1">
               <a:rPr lang="en-US" smtClean="0"/>
-              <a:t>2/21/21</a:t>
+              <a:t>2/24/21</a:t>
             </a:fld>
             <a:endParaRPr lang="en-US"/>
           </a:p>
@@ -4366,7 +4367,7 @@
           <a:p>
             <a:fld id="{4142EED6-FC16-45B9-B8C4-2BC5DBA88325}" type="datetime1">
               <a:rPr lang="en-US" smtClean="0"/>
-              <a:t>2/21/21</a:t>
+              <a:t>2/24/21</a:t>
             </a:fld>
             <a:endParaRPr lang="en-US"/>
           </a:p>
@@ -4698,7 +4699,7 @@
           <a:p>
             <a:fld id="{DF59512B-4F1D-43D7-8819-2F53FEF69650}" type="datetime1">
               <a:rPr lang="en-US" smtClean="0"/>
-              <a:t>2/21/21</a:t>
+              <a:t>2/24/21</a:t>
             </a:fld>
             <a:endParaRPr lang="en-US"/>
           </a:p>
@@ -4988,7 +4989,7 @@
           <a:p>
             <a:fld id="{08437B94-E2BF-44DC-ADC5-B05FC9934E9D}" type="datetime1">
               <a:rPr lang="en-US" smtClean="0"/>
-              <a:t>2/21/21</a:t>
+              <a:t>2/24/21</a:t>
             </a:fld>
             <a:endParaRPr lang="en-US"/>
           </a:p>
@@ -5034,45 +5035,6 @@
           </a:p>
         </p:txBody>
       </p:sp>
-      <p:pic>
-        <p:nvPicPr>
-          <p:cNvPr id="7" name="Picture 4" descr="Image result for gserm"/>
-          <p:cNvPicPr>
-            <a:picLocks noChangeAspect="1" noChangeArrowheads="1"/>
-          </p:cNvPicPr>
-          <p:nvPr userDrawn="1"/>
-        </p:nvPicPr>
-        <p:blipFill rotWithShape="1">
-          <a:blip r:embed="rId13" cstate="print">
-            <a:extLst>
-              <a:ext uri="{28A0092B-C50C-407E-A947-70E740481C1C}">
-                <a14:useLocalDpi xmlns:a14="http://schemas.microsoft.com/office/drawing/2010/main" val="0"/>
-              </a:ext>
-            </a:extLst>
-          </a:blip>
-          <a:srcRect b="33913"/>
-          <a:stretch/>
-        </p:blipFill>
-        <p:spPr bwMode="auto">
-          <a:xfrm>
-            <a:off x="8182940" y="6288258"/>
-            <a:ext cx="961060" cy="534572"/>
-          </a:xfrm>
-          <a:prstGeom prst="rect">
-            <a:avLst/>
-          </a:prstGeom>
-          <a:noFill/>
-          <a:extLst>
-            <a:ext uri="{909E8E84-426E-40DD-AFC4-6F175D3DCCD1}">
-              <a14:hiddenFill xmlns:a14="http://schemas.microsoft.com/office/drawing/2010/main">
-                <a:solidFill>
-                  <a:srgbClr val="FFFFFF"/>
-                </a:solidFill>
-              </a14:hiddenFill>
-            </a:ext>
-          </a:extLst>
-        </p:spPr>
-      </p:pic>
       <p:sp>
         <p:nvSpPr>
           <p:cNvPr id="8" name="Slide Number Placeholder 5"/>
@@ -5512,7 +5474,7 @@
             <a:fld id="{5738B90E-0779-4C36-915C-6F05FCD89456}" type="datetime1">
               <a:rPr lang="en-US" smtClean="0"/>
               <a:pPr/>
-              <a:t>2/21/21</a:t>
+              <a:t>2/24/21</a:t>
             </a:fld>
             <a:endParaRPr lang="en-US"/>
           </a:p>
@@ -5698,7 +5660,7 @@
           <a:p>
             <a:fld id="{6700A58B-DD98-43D0-B791-721480A02982}" type="datetime1">
               <a:rPr lang="en-US" smtClean="0"/>
-              <a:t>2/21/21</a:t>
+              <a:t>2/24/21</a:t>
             </a:fld>
             <a:endParaRPr lang="en-US"/>
           </a:p>
@@ -5781,8 +5743,8 @@
         </p:nvSpPr>
         <p:spPr>
           <a:xfrm>
-            <a:off x="423379" y="1640304"/>
-            <a:ext cx="4114800" cy="4389120"/>
+            <a:off x="423378" y="1640304"/>
+            <a:ext cx="8296181" cy="4389120"/>
           </a:xfrm>
           <a:prstGeom prst="rect">
             <a:avLst/>
@@ -5842,8 +5804,8 @@
         </p:nvSpPr>
         <p:spPr>
           <a:xfrm>
-            <a:off x="424432" y="1307220"/>
-            <a:ext cx="4114800" cy="457200"/>
+            <a:off x="424431" y="1307220"/>
+            <a:ext cx="8295127" cy="457200"/>
           </a:xfrm>
           <a:prstGeom prst="rect">
             <a:avLst/>
@@ -5900,13 +5862,13 @@
           <p:nvPr>
             <p:extLst>
               <p:ext uri="{D42A27DB-BD31-4B8C-83A1-F6EECF244321}">
-                <p14:modId xmlns:p14="http://schemas.microsoft.com/office/powerpoint/2010/main" val="1843735760"/>
+                <p14:modId xmlns:p14="http://schemas.microsoft.com/office/powerpoint/2010/main" val="2677219558"/>
               </p:ext>
             </p:extLst>
           </p:nvPr>
         </p:nvGraphicFramePr>
         <p:xfrm>
-          <a:off x="495534" y="3263462"/>
+          <a:off x="2605508" y="2918679"/>
           <a:ext cx="3931919" cy="2491622"/>
         </p:xfrm>
         <a:graphic>
@@ -5923,8 +5885,8 @@
         </p:nvSpPr>
         <p:spPr>
           <a:xfrm>
-            <a:off x="494188" y="2218764"/>
-            <a:ext cx="3943350" cy="822960"/>
+            <a:off x="458783" y="1768792"/>
+            <a:ext cx="8225370" cy="822960"/>
           </a:xfrm>
           <a:prstGeom prst="rect">
             <a:avLst/>
@@ -6107,7 +6069,7 @@
           <a:p>
             <a:fld id="{6700A58B-DD98-43D0-B791-721480A02982}" type="datetime1">
               <a:rPr lang="en-US" smtClean="0"/>
-              <a:t>2/21/21</a:t>
+              <a:t>2/24/21</a:t>
             </a:fld>
             <a:endParaRPr lang="en-US"/>
           </a:p>
@@ -6190,8 +6152,8 @@
         </p:nvSpPr>
         <p:spPr>
           <a:xfrm>
-            <a:off x="334477" y="1640304"/>
-            <a:ext cx="4114800" cy="4389120"/>
+            <a:off x="334476" y="1640304"/>
+            <a:ext cx="8475045" cy="4389120"/>
           </a:xfrm>
           <a:prstGeom prst="rect">
             <a:avLst/>
@@ -6255,7 +6217,7 @@
         <p:spPr>
           <a:xfrm>
             <a:off x="334477" y="1307220"/>
-            <a:ext cx="4114800" cy="457200"/>
+            <a:ext cx="8475044" cy="457200"/>
           </a:xfrm>
           <a:prstGeom prst="rect">
             <a:avLst/>
@@ -6311,7 +6273,7 @@
         </p:nvSpPr>
         <p:spPr>
           <a:xfrm>
-            <a:off x="454511" y="3779225"/>
+            <a:off x="480636" y="3043542"/>
             <a:ext cx="3874735" cy="1477328"/>
           </a:xfrm>
           <a:prstGeom prst="rect">
@@ -6501,8 +6463,8 @@
         </p:nvSpPr>
         <p:spPr>
           <a:xfrm>
-            <a:off x="420202" y="2182905"/>
-            <a:ext cx="3943350" cy="822960"/>
+            <a:off x="334475" y="1830206"/>
+            <a:ext cx="8475045" cy="506925"/>
           </a:xfrm>
           <a:prstGeom prst="rect">
             <a:avLst/>
@@ -6540,7 +6502,7 @@
           <a:p>
             <a:pPr algn="ctr" defTabSz="457200"/>
             <a:r>
-              <a:rPr lang="en-US" sz="1600" b="1" kern="1200" dirty="0">
+              <a:rPr lang="en-US" sz="1200" b="1" kern="1200" dirty="0">
                 <a:solidFill>
                   <a:prstClr val="white"/>
                 </a:solidFill>
@@ -6550,7 +6512,7 @@
               <a:t>Because of </a:t>
             </a:r>
             <a:r>
-              <a:rPr lang="en-US" sz="1600" b="1" kern="1200" dirty="0" err="1">
+              <a:rPr lang="en-US" sz="1200" b="1" kern="1200" dirty="0" err="1">
                 <a:solidFill>
                   <a:prstClr val="white"/>
                 </a:solidFill>
@@ -6560,7 +6522,7 @@
               <a:t>Zipf’s</a:t>
             </a:r>
             <a:r>
-              <a:rPr lang="en-US" sz="1600" b="1" kern="1200" dirty="0">
+              <a:rPr lang="en-US" sz="1200" b="1" kern="1200" dirty="0">
                 <a:solidFill>
                   <a:prstClr val="white"/>
                 </a:solidFill>
@@ -6570,7 +6532,7 @@
               <a:t> Law you can have </a:t>
             </a:r>
             <a:r>
-              <a:rPr lang="en-US" sz="1600" b="1" kern="1200" dirty="0" err="1">
+              <a:rPr lang="en-US" sz="1200" b="1" kern="1200" dirty="0" err="1">
                 <a:solidFill>
                   <a:prstClr val="white"/>
                 </a:solidFill>
@@ -6580,7 +6542,7 @@
               <a:t>pos</a:t>
             </a:r>
             <a:r>
-              <a:rPr lang="en-US" sz="1600" b="1" kern="1200" dirty="0">
+              <a:rPr lang="en-US" sz="1200" b="1" kern="1200" dirty="0">
                 <a:solidFill>
                   <a:prstClr val="white"/>
                 </a:solidFill>
@@ -6590,7 +6552,7 @@
               <a:t>/</a:t>
             </a:r>
             <a:r>
-              <a:rPr lang="en-US" sz="1600" b="1" kern="1200" dirty="0" err="1">
+              <a:rPr lang="en-US" sz="1200" b="1" kern="1200" dirty="0" err="1">
                 <a:solidFill>
                   <a:prstClr val="white"/>
                 </a:solidFill>
@@ -6600,7 +6562,7 @@
               <a:t>neg</a:t>
             </a:r>
             <a:r>
-              <a:rPr lang="en-US" sz="1600" b="1" kern="1200" dirty="0">
+              <a:rPr lang="en-US" sz="1200" b="1" kern="1200" dirty="0">
                 <a:solidFill>
                   <a:prstClr val="white"/>
                 </a:solidFill>
@@ -6745,7 +6707,7 @@
           <a:p>
             <a:fld id="{6700A58B-DD98-43D0-B791-721480A02982}" type="datetime1">
               <a:rPr lang="en-US" smtClean="0"/>
-              <a:t>2/21/21</a:t>
+              <a:t>2/24/21</a:t>
             </a:fld>
             <a:endParaRPr lang="en-US"/>
           </a:p>
@@ -7151,7 +7113,7 @@
           <a:p>
             <a:fld id="{6700A58B-DD98-43D0-B791-721480A02982}" type="datetime1">
               <a:rPr lang="en-US" smtClean="0"/>
-              <a:t>2/21/21</a:t>
+              <a:t>2/24/21</a:t>
             </a:fld>
             <a:endParaRPr lang="en-US"/>
           </a:p>
@@ -8001,8 +7963,8 @@
         </p:nvSpPr>
         <p:spPr>
           <a:xfrm>
-            <a:off x="516835" y="5486400"/>
-            <a:ext cx="6166353" cy="463826"/>
+            <a:off x="597519" y="5466427"/>
+            <a:ext cx="8050092" cy="463826"/>
           </a:xfrm>
           <a:prstGeom prst="rect">
             <a:avLst/>
@@ -8130,10 +8092,296 @@
           </a:fontRef>
         </p:style>
       </p:cxnSp>
+      <p:sp>
+        <p:nvSpPr>
+          <p:cNvPr id="13" name="Slide Number Placeholder 4">
+            <a:extLst>
+              <a:ext uri="{FF2B5EF4-FFF2-40B4-BE49-F238E27FC236}">
+                <a16:creationId xmlns:a16="http://schemas.microsoft.com/office/drawing/2014/main" id="{FF10B004-6E70-8E45-B30F-C619BDE34C05}"/>
+              </a:ext>
+            </a:extLst>
+          </p:cNvPr>
+          <p:cNvSpPr>
+            <a:spLocks noGrp="1"/>
+          </p:cNvSpPr>
+          <p:nvPr>
+            <p:ph type="sldNum" sz="quarter" idx="4"/>
+          </p:nvPr>
+        </p:nvSpPr>
+        <p:spPr>
+          <a:xfrm>
+            <a:off x="7245743" y="6356351"/>
+            <a:ext cx="857250" cy="365125"/>
+          </a:xfrm>
+        </p:spPr>
+        <p:txBody>
+          <a:bodyPr/>
+          <a:lstStyle/>
+          <a:p>
+            <a:fld id="{37290FF7-652B-4475-AEAB-8B1A5D23AE09}" type="slidenum">
+              <a:rPr lang="en-US" smtClean="0"/>
+              <a:pPr/>
+              <a:t>14</a:t>
+            </a:fld>
+            <a:endParaRPr lang="en-US" dirty="0"/>
+          </a:p>
+        </p:txBody>
+      </p:sp>
     </p:spTree>
     <p:extLst>
       <p:ext uri="{BB962C8B-B14F-4D97-AF65-F5344CB8AC3E}">
         <p14:creationId xmlns:p14="http://schemas.microsoft.com/office/powerpoint/2010/main" val="4100425887"/>
+      </p:ext>
+    </p:extLst>
+  </p:cSld>
+  <p:clrMapOvr>
+    <a:masterClrMapping/>
+  </p:clrMapOvr>
+</p:sld>
+</file>
+
+<file path=ppt/slides/slide15.xml><?xml version="1.0" encoding="utf-8"?>
+<p:sld xmlns:a="http://schemas.openxmlformats.org/drawingml/2006/main" xmlns:r="http://schemas.openxmlformats.org/officeDocument/2006/relationships" xmlns:p="http://schemas.openxmlformats.org/presentationml/2006/main">
+  <p:cSld>
+    <p:spTree>
+      <p:nvGrpSpPr>
+        <p:cNvPr id="1" name=""/>
+        <p:cNvGrpSpPr/>
+        <p:nvPr/>
+      </p:nvGrpSpPr>
+      <p:grpSpPr>
+        <a:xfrm>
+          <a:off x="0" y="0"/>
+          <a:ext cx="0" cy="0"/>
+          <a:chOff x="0" y="0"/>
+          <a:chExt cx="0" cy="0"/>
+        </a:xfrm>
+      </p:grpSpPr>
+      <p:sp>
+        <p:nvSpPr>
+          <p:cNvPr id="2" name="Title 1">
+            <a:extLst>
+              <a:ext uri="{FF2B5EF4-FFF2-40B4-BE49-F238E27FC236}">
+                <a16:creationId xmlns:a16="http://schemas.microsoft.com/office/drawing/2014/main" id="{C0C03615-39A1-6142-8D4E-1A13868E6D33}"/>
+              </a:ext>
+            </a:extLst>
+          </p:cNvPr>
+          <p:cNvSpPr>
+            <a:spLocks noGrp="1"/>
+          </p:cNvSpPr>
+          <p:nvPr>
+            <p:ph type="title"/>
+          </p:nvPr>
+        </p:nvSpPr>
+        <p:spPr/>
+        <p:txBody>
+          <a:bodyPr/>
+          <a:lstStyle/>
+          <a:p>
+            <a:r>
+              <a:rPr lang="en-US" dirty="0"/>
+              <a:t>Now that you know polarity in an example</a:t>
+            </a:r>
+          </a:p>
+        </p:txBody>
+      </p:sp>
+      <p:sp>
+        <p:nvSpPr>
+          <p:cNvPr id="3" name="Content Placeholder 2">
+            <a:extLst>
+              <a:ext uri="{FF2B5EF4-FFF2-40B4-BE49-F238E27FC236}">
+                <a16:creationId xmlns:a16="http://schemas.microsoft.com/office/drawing/2014/main" id="{4D83B70A-6118-684B-8E9A-68C0478D44B3}"/>
+              </a:ext>
+            </a:extLst>
+          </p:cNvPr>
+          <p:cNvSpPr>
+            <a:spLocks noGrp="1"/>
+          </p:cNvSpPr>
+          <p:nvPr>
+            <p:ph idx="1"/>
+          </p:nvPr>
+        </p:nvSpPr>
+        <p:spPr>
+          <a:xfrm>
+            <a:off x="628650" y="1489165"/>
+            <a:ext cx="7886700" cy="4742821"/>
+          </a:xfrm>
+        </p:spPr>
+        <p:txBody>
+          <a:bodyPr/>
+          <a:lstStyle/>
+          <a:p>
+            <a:r>
+              <a:rPr lang="en-US" dirty="0"/>
+              <a:t>Apply it to a single corpus</a:t>
+            </a:r>
+          </a:p>
+          <a:p>
+            <a:pPr lvl="1"/>
+            <a:r>
+              <a:rPr lang="en-US" dirty="0" err="1"/>
+              <a:t>B_polarity_entire_corpus.R</a:t>
+            </a:r>
+            <a:endParaRPr lang="en-US" dirty="0"/>
+          </a:p>
+          <a:p>
+            <a:endParaRPr lang="en-US" dirty="0"/>
+          </a:p>
+          <a:p>
+            <a:r>
+              <a:rPr lang="en-US" dirty="0"/>
+              <a:t>Apply it to multiple corpora</a:t>
+            </a:r>
+          </a:p>
+          <a:p>
+            <a:pPr lvl="1"/>
+            <a:r>
+              <a:rPr lang="en-US" dirty="0" err="1"/>
+              <a:t>C_polarity_corpora.R</a:t>
+            </a:r>
+            <a:endParaRPr lang="en-US" dirty="0"/>
+          </a:p>
+        </p:txBody>
+      </p:sp>
+      <p:sp>
+        <p:nvSpPr>
+          <p:cNvPr id="4" name="Date Placeholder 3">
+            <a:extLst>
+              <a:ext uri="{FF2B5EF4-FFF2-40B4-BE49-F238E27FC236}">
+                <a16:creationId xmlns:a16="http://schemas.microsoft.com/office/drawing/2014/main" id="{B4209431-6C61-8E4D-BFD2-1559723933B9}"/>
+              </a:ext>
+            </a:extLst>
+          </p:cNvPr>
+          <p:cNvSpPr>
+            <a:spLocks noGrp="1"/>
+          </p:cNvSpPr>
+          <p:nvPr>
+            <p:ph type="dt" sz="half" idx="10"/>
+          </p:nvPr>
+        </p:nvSpPr>
+        <p:spPr/>
+        <p:txBody>
+          <a:bodyPr/>
+          <a:lstStyle/>
+          <a:p>
+            <a:fld id="{D753EFC8-4232-4598-94F6-94C0EBAFC469}" type="datetime1">
+              <a:rPr lang="en-US" smtClean="0"/>
+              <a:t>2/24/21</a:t>
+            </a:fld>
+            <a:endParaRPr lang="en-US"/>
+          </a:p>
+        </p:txBody>
+      </p:sp>
+      <p:sp>
+        <p:nvSpPr>
+          <p:cNvPr id="5" name="Footer Placeholder 4">
+            <a:extLst>
+              <a:ext uri="{FF2B5EF4-FFF2-40B4-BE49-F238E27FC236}">
+                <a16:creationId xmlns:a16="http://schemas.microsoft.com/office/drawing/2014/main" id="{1EF1C9F9-1955-D14B-8EAD-8D283CF987E2}"/>
+              </a:ext>
+            </a:extLst>
+          </p:cNvPr>
+          <p:cNvSpPr>
+            <a:spLocks noGrp="1"/>
+          </p:cNvSpPr>
+          <p:nvPr>
+            <p:ph type="ftr" sz="quarter" idx="3"/>
+          </p:nvPr>
+        </p:nvSpPr>
+        <p:spPr/>
+        <p:txBody>
+          <a:bodyPr/>
+          <a:lstStyle/>
+          <a:p>
+            <a:r>
+              <a:rPr lang="en-US"/>
+              <a:t>Kwartler</a:t>
+            </a:r>
+            <a:endParaRPr lang="en-US" dirty="0"/>
+          </a:p>
+        </p:txBody>
+      </p:sp>
+      <p:sp>
+        <p:nvSpPr>
+          <p:cNvPr id="6" name="Slide Number Placeholder 5">
+            <a:extLst>
+              <a:ext uri="{FF2B5EF4-FFF2-40B4-BE49-F238E27FC236}">
+                <a16:creationId xmlns:a16="http://schemas.microsoft.com/office/drawing/2014/main" id="{0B975EEE-E325-9247-9934-0A8F46D240BA}"/>
+              </a:ext>
+            </a:extLst>
+          </p:cNvPr>
+          <p:cNvSpPr>
+            <a:spLocks noGrp="1"/>
+          </p:cNvSpPr>
+          <p:nvPr>
+            <p:ph type="sldNum" sz="quarter" idx="4"/>
+          </p:nvPr>
+        </p:nvSpPr>
+        <p:spPr/>
+        <p:txBody>
+          <a:bodyPr/>
+          <a:lstStyle/>
+          <a:p>
+            <a:fld id="{37290FF7-652B-4475-AEAB-8B1A5D23AE09}" type="slidenum">
+              <a:rPr lang="en-US" smtClean="0"/>
+              <a:pPr/>
+              <a:t>15</a:t>
+            </a:fld>
+            <a:endParaRPr lang="en-US" dirty="0"/>
+          </a:p>
+        </p:txBody>
+      </p:sp>
+      <p:pic>
+        <p:nvPicPr>
+          <p:cNvPr id="1026" name="Picture 2" descr="may the force be with you as you reverse the polarity of the neutron flow -  Spock | Meme Generator">
+            <a:extLst>
+              <a:ext uri="{FF2B5EF4-FFF2-40B4-BE49-F238E27FC236}">
+                <a16:creationId xmlns:a16="http://schemas.microsoft.com/office/drawing/2014/main" id="{917B24C6-9B3C-984D-B515-7E5841D7731E}"/>
+              </a:ext>
+            </a:extLst>
+          </p:cNvPr>
+          <p:cNvPicPr>
+            <a:picLocks noChangeAspect="1" noChangeArrowheads="1"/>
+          </p:cNvPicPr>
+          <p:nvPr/>
+        </p:nvPicPr>
+        <p:blipFill>
+          <a:blip r:embed="rId2">
+            <a:extLst>
+              <a:ext uri="{28A0092B-C50C-407E-A947-70E740481C1C}">
+                <a14:useLocalDpi xmlns:a14="http://schemas.microsoft.com/office/drawing/2010/main" val="0"/>
+              </a:ext>
+            </a:extLst>
+          </a:blip>
+          <a:srcRect/>
+          <a:stretch>
+            <a:fillRect/>
+          </a:stretch>
+        </p:blipFill>
+        <p:spPr bwMode="auto">
+          <a:xfrm>
+            <a:off x="4761411" y="1280886"/>
+            <a:ext cx="3892006" cy="3892006"/>
+          </a:xfrm>
+          <a:prstGeom prst="rect">
+            <a:avLst/>
+          </a:prstGeom>
+          <a:noFill/>
+          <a:extLst>
+            <a:ext uri="{909E8E84-426E-40DD-AFC4-6F175D3DCCD1}">
+              <a14:hiddenFill xmlns:a14="http://schemas.microsoft.com/office/drawing/2010/main">
+                <a:solidFill>
+                  <a:srgbClr val="FFFFFF"/>
+                </a:solidFill>
+              </a14:hiddenFill>
+            </a:ext>
+          </a:extLst>
+        </p:spPr>
+      </p:pic>
+    </p:spTree>
+    <p:extLst>
+      <p:ext uri="{BB962C8B-B14F-4D97-AF65-F5344CB8AC3E}">
+        <p14:creationId xmlns:p14="http://schemas.microsoft.com/office/powerpoint/2010/main" val="657524058"/>
       </p:ext>
     </p:extLst>
   </p:cSld>
@@ -8184,7 +8432,7 @@
             <a:fld id="{6700A58B-DD98-43D0-B791-721480A02982}" type="datetime1">
               <a:rPr lang="en-US" smtClean="0"/>
               <a:pPr/>
-              <a:t>2/21/21</a:t>
+              <a:t>2/24/21</a:t>
             </a:fld>
             <a:endParaRPr lang="en-US"/>
           </a:p>
@@ -8301,7 +8549,7 @@
         <p:spPr>
           <a:xfrm>
             <a:off x="240631" y="5593976"/>
-            <a:ext cx="6536687" cy="510989"/>
+            <a:ext cx="8615981" cy="510989"/>
           </a:xfrm>
           <a:prstGeom prst="rect">
             <a:avLst/>
@@ -8361,103 +8609,53 @@
           </a:p>
         </p:txBody>
       </p:sp>
-      <p:grpSp>
-        <p:nvGrpSpPr>
-          <p:cNvPr id="5" name="Group 4"/>
-          <p:cNvGrpSpPr/>
-          <p:nvPr/>
-        </p:nvGrpSpPr>
-        <p:grpSpPr>
-          <a:xfrm>
-            <a:off x="804505" y="1664188"/>
-            <a:ext cx="3689132" cy="2676504"/>
-            <a:chOff x="433759" y="2081047"/>
-            <a:chExt cx="3689132" cy="2676504"/>
-          </a:xfrm>
-        </p:grpSpPr>
-        <p:pic>
-          <p:nvPicPr>
-            <p:cNvPr id="7" name="Picture 2" descr="Image result for zipf's law">
-              <a:extLst>
-                <a:ext uri="{FF2B5EF4-FFF2-40B4-BE49-F238E27FC236}">
-                  <a16:creationId xmlns:a16="http://schemas.microsoft.com/office/drawing/2014/main" id="{E79F8C42-DDEC-484B-9AF4-5697CCAD2D27}"/>
-                </a:ext>
-              </a:extLst>
-            </p:cNvPr>
-            <p:cNvPicPr>
-              <a:picLocks noChangeAspect="1" noChangeArrowheads="1"/>
-            </p:cNvPicPr>
-            <p:nvPr/>
-          </p:nvPicPr>
-          <p:blipFill>
-            <a:blip r:embed="rId2" cstate="print">
-              <a:extLst>
-                <a:ext uri="{28A0092B-C50C-407E-A947-70E740481C1C}">
-                  <a14:useLocalDpi xmlns:a14="http://schemas.microsoft.com/office/drawing/2010/main" val="0"/>
-                </a:ext>
-              </a:extLst>
-            </a:blip>
-            <a:srcRect/>
-            <a:stretch>
-              <a:fillRect/>
-            </a:stretch>
-          </p:blipFill>
-          <p:spPr bwMode="auto">
-            <a:xfrm>
-              <a:off x="446024" y="2556649"/>
-              <a:ext cx="3664603" cy="2200902"/>
-            </a:xfrm>
-            <a:prstGeom prst="rect">
-              <a:avLst/>
-            </a:prstGeom>
-            <a:noFill/>
+      <p:pic>
+        <p:nvPicPr>
+          <p:cNvPr id="7" name="Picture 2" descr="Image result for zipf's law">
             <a:extLst>
-              <a:ext uri="{909E8E84-426E-40DD-AFC4-6F175D3DCCD1}">
-                <a14:hiddenFill xmlns:a14="http://schemas.microsoft.com/office/drawing/2010/main">
-                  <a:solidFill>
-                    <a:srgbClr val="FFFFFF"/>
-                  </a:solidFill>
-                </a14:hiddenFill>
+              <a:ext uri="{FF2B5EF4-FFF2-40B4-BE49-F238E27FC236}">
+                <a16:creationId xmlns:a16="http://schemas.microsoft.com/office/drawing/2014/main" id="{E79F8C42-DDEC-484B-9AF4-5697CCAD2D27}"/>
               </a:ext>
             </a:extLst>
-          </p:spPr>
-        </p:pic>
-        <p:sp>
-          <p:nvSpPr>
-            <p:cNvPr id="15" name="TextBox 14"/>
-            <p:cNvSpPr txBox="1"/>
-            <p:nvPr/>
-          </p:nvSpPr>
-          <p:spPr>
-            <a:xfrm>
-              <a:off x="433759" y="2081047"/>
-              <a:ext cx="3689132" cy="369332"/>
-            </a:xfrm>
-            <a:prstGeom prst="rect">
-              <a:avLst/>
-            </a:prstGeom>
-            <a:solidFill>
-              <a:schemeClr val="accent2"/>
-            </a:solidFill>
-          </p:spPr>
-          <p:txBody>
-            <a:bodyPr wrap="square" rtlCol="0">
-              <a:spAutoFit/>
-            </a:bodyPr>
-            <a:lstStyle/>
-            <a:p>
-              <a:r>
-                <a:rPr lang="en-US" dirty="0">
-                  <a:solidFill>
-                    <a:schemeClr val="bg1"/>
-                  </a:solidFill>
-                </a:rPr>
-                <a:t>Another Example </a:t>
-              </a:r>
-            </a:p>
-          </p:txBody>
-        </p:sp>
-      </p:grpSp>
+          </p:cNvPr>
+          <p:cNvPicPr>
+            <a:picLocks noChangeAspect="1" noChangeArrowheads="1"/>
+          </p:cNvPicPr>
+          <p:nvPr/>
+        </p:nvPicPr>
+        <p:blipFill>
+          <a:blip r:embed="rId2" cstate="print">
+            <a:extLst>
+              <a:ext uri="{28A0092B-C50C-407E-A947-70E740481C1C}">
+                <a14:useLocalDpi xmlns:a14="http://schemas.microsoft.com/office/drawing/2010/main" val="0"/>
+              </a:ext>
+            </a:extLst>
+          </a:blip>
+          <a:srcRect/>
+          <a:stretch>
+            <a:fillRect/>
+          </a:stretch>
+        </p:blipFill>
+        <p:spPr bwMode="auto">
+          <a:xfrm>
+            <a:off x="1414753" y="1401523"/>
+            <a:ext cx="6314494" cy="3792384"/>
+          </a:xfrm>
+          <a:prstGeom prst="rect">
+            <a:avLst/>
+          </a:prstGeom>
+          <a:noFill/>
+          <a:extLst>
+            <a:ext uri="{909E8E84-426E-40DD-AFC4-6F175D3DCCD1}">
+              <a14:hiddenFill xmlns:a14="http://schemas.microsoft.com/office/drawing/2010/main">
+                <a:solidFill>
+                  <a:srgbClr val="FFFFFF"/>
+                </a:solidFill>
+              </a14:hiddenFill>
+            </a:ext>
+          </a:extLst>
+        </p:spPr>
+      </p:pic>
       <p:cxnSp>
         <p:nvCxnSpPr>
           <p:cNvPr id="12" name="Straight Connector 11">
@@ -8591,7 +8789,7 @@
           <a:p>
             <a:fld id="{6700A58B-DD98-43D0-B791-721480A02982}" type="datetime1">
               <a:rPr lang="en-US" smtClean="0"/>
-              <a:t>2/21/21</a:t>
+              <a:t>2/24/21</a:t>
             </a:fld>
             <a:endParaRPr lang="en-US"/>
           </a:p>
@@ -8718,8 +8916,8 @@
         </p:nvSpPr>
         <p:spPr>
           <a:xfrm>
-            <a:off x="240632" y="5499847"/>
-            <a:ext cx="6550134" cy="605118"/>
+            <a:off x="240631" y="5499847"/>
+            <a:ext cx="8461923" cy="605118"/>
           </a:xfrm>
           <a:prstGeom prst="rect">
             <a:avLst/>
@@ -8989,7 +9187,7 @@
             <a:fld id="{6700A58B-DD98-43D0-B791-721480A02982}" type="datetime1">
               <a:rPr lang="en-US" smtClean="0"/>
               <a:pPr/>
-              <a:t>2/21/21</a:t>
+              <a:t>2/24/21</a:t>
             </a:fld>
             <a:endParaRPr lang="en-US"/>
           </a:p>
@@ -9073,7 +9271,7 @@
         </p:nvSpPr>
         <p:spPr>
           <a:xfrm>
-            <a:off x="463817" y="991371"/>
+            <a:off x="463817" y="1467702"/>
             <a:ext cx="3231931" cy="3231931"/>
           </a:xfrm>
           <a:prstGeom prst="mathPlus">
@@ -9119,7 +9317,7 @@
         </p:nvSpPr>
         <p:spPr>
           <a:xfrm>
-            <a:off x="428703" y="3050628"/>
+            <a:off x="4896201" y="1380991"/>
             <a:ext cx="3302159" cy="3405352"/>
           </a:xfrm>
           <a:prstGeom prst="mathMinus">
@@ -9354,7 +9552,7 @@
           <a:p>
             <a:fld id="{6700A58B-DD98-43D0-B791-721480A02982}" type="datetime1">
               <a:rPr lang="en-US" smtClean="0"/>
-              <a:t>2/21/21</a:t>
+              <a:t>2/24/21</a:t>
             </a:fld>
             <a:endParaRPr lang="en-US"/>
           </a:p>
@@ -9609,7 +9807,7 @@
           <a:p>
             <a:fld id="{6700A58B-DD98-43D0-B791-721480A02982}" type="datetime1">
               <a:rPr lang="en-US" smtClean="0"/>
-              <a:t>2/21/21</a:t>
+              <a:t>2/24/21</a:t>
             </a:fld>
             <a:endParaRPr lang="en-US"/>
           </a:p>
@@ -10140,7 +10338,7 @@
           <a:p>
             <a:fld id="{6700A58B-DD98-43D0-B791-721480A02982}" type="datetime1">
               <a:rPr lang="en-US" smtClean="0"/>
-              <a:t>2/21/21</a:t>
+              <a:t>2/24/21</a:t>
             </a:fld>
             <a:endParaRPr lang="en-US"/>
           </a:p>
@@ -10954,7 +11152,7 @@
           <a:p>
             <a:fld id="{6700A58B-DD98-43D0-B791-721480A02982}" type="datetime1">
               <a:rPr lang="en-US" smtClean="0"/>
-              <a:t>2/21/21</a:t>
+              <a:t>2/24/21</a:t>
             </a:fld>
             <a:endParaRPr lang="en-US"/>
           </a:p>
@@ -11217,8 +11415,8 @@
         </p:nvSpPr>
         <p:spPr>
           <a:xfrm>
-            <a:off x="2905996" y="3374506"/>
-            <a:ext cx="867104" cy="677918"/>
+            <a:off x="2377440" y="3374506"/>
+            <a:ext cx="1946366" cy="677918"/>
           </a:xfrm>
           <a:prstGeom prst="rect">
             <a:avLst/>
@@ -11255,7 +11453,7 @@
             <a:pPr algn="ctr"/>
             <a:r>
               <a:rPr lang="en-US" sz="3200" dirty="0"/>
-              <a:t>+2</a:t>
+              <a:t>+1 -1 = 0</a:t>
             </a:r>
           </a:p>
         </p:txBody>
@@ -11278,8 +11476,8 @@
         </p:nvCxnSpPr>
         <p:spPr>
           <a:xfrm rot="16200000" flipH="1">
-            <a:off x="1748047" y="2555515"/>
-            <a:ext cx="358985" cy="1956913"/>
+            <a:off x="1483769" y="2819793"/>
+            <a:ext cx="358985" cy="1428357"/>
           </a:xfrm>
           <a:prstGeom prst="bentConnector2">
             <a:avLst/>
@@ -11324,8 +11522,8 @@
         </p:nvCxnSpPr>
         <p:spPr>
           <a:xfrm rot="5400000">
-            <a:off x="4512449" y="2615131"/>
-            <a:ext cx="358985" cy="1837682"/>
+            <a:off x="4787802" y="2890484"/>
+            <a:ext cx="358985" cy="1286976"/>
           </a:xfrm>
           <a:prstGeom prst="bentConnector2">
             <a:avLst/>
@@ -11783,7 +11981,7 @@
           <a:p>
             <a:fld id="{6700A58B-DD98-43D0-B791-721480A02982}" type="datetime1">
               <a:rPr lang="en-US" smtClean="0"/>
-              <a:t>2/21/21</a:t>
+              <a:t>2/24/21</a:t>
             </a:fld>
             <a:endParaRPr lang="en-US"/>
           </a:p>

--- a/lessons/E_Polarization_Sentiment/polarity.pptx
+++ b/lessons/E_Polarization_Sentiment/polarity.pptx
@@ -1278,7 +1278,7 @@
           <a:p>
             <a:fld id="{B0C0A60C-850A-4EA4-9C14-A8FE98B94505}" type="datetimeFigureOut">
               <a:rPr lang="en-US" smtClean="0"/>
-              <a:t>2/24/21</a:t>
+              <a:t>2/25/21</a:t>
             </a:fld>
             <a:endParaRPr lang="en-US"/>
           </a:p>
@@ -1677,7 +1677,7 @@
           <a:p>
             <a:fld id="{5738B90E-0779-4C36-915C-6F05FCD89456}" type="datetime1">
               <a:rPr lang="en-US" smtClean="0"/>
-              <a:t>2/24/21</a:t>
+              <a:t>2/25/21</a:t>
             </a:fld>
             <a:endParaRPr lang="en-US"/>
           </a:p>
@@ -1874,7 +1874,7 @@
           <a:p>
             <a:fld id="{7B9EA29D-D431-42FE-B7B6-AAE4454C77D3}" type="datetime1">
               <a:rPr lang="en-US" smtClean="0"/>
-              <a:t>2/24/21</a:t>
+              <a:t>2/25/21</a:t>
             </a:fld>
             <a:endParaRPr lang="en-US"/>
           </a:p>
@@ -2229,7 +2229,7 @@
           <a:p>
             <a:fld id="{690D8A1E-EA8F-46C1-B891-AE0C00D9C314}" type="datetime1">
               <a:rPr lang="en-US" smtClean="0"/>
-              <a:t>2/24/21</a:t>
+              <a:t>2/25/21</a:t>
             </a:fld>
             <a:endParaRPr lang="en-US"/>
           </a:p>
@@ -2537,7 +2537,7 @@
           <a:p>
             <a:fld id="{D753EFC8-4232-4598-94F6-94C0EBAFC469}" type="datetime1">
               <a:rPr lang="en-US" smtClean="0"/>
-              <a:t>2/24/21</a:t>
+              <a:t>2/25/21</a:t>
             </a:fld>
             <a:endParaRPr lang="en-US"/>
           </a:p>
@@ -2866,7 +2866,7 @@
           <a:p>
             <a:fld id="{F3161074-1C18-4AE7-957D-F18524378C85}" type="datetime1">
               <a:rPr lang="en-US" smtClean="0"/>
-              <a:t>2/24/21</a:t>
+              <a:t>2/25/21</a:t>
             </a:fld>
             <a:endParaRPr lang="en-US"/>
           </a:p>
@@ -3119,7 +3119,7 @@
           <a:p>
             <a:fld id="{69BE256C-8D9A-4404-B47D-41A1AE514425}" type="datetime1">
               <a:rPr lang="en-US" smtClean="0"/>
-              <a:t>2/24/21</a:t>
+              <a:t>2/25/21</a:t>
             </a:fld>
             <a:endParaRPr lang="en-US"/>
           </a:p>
@@ -3567,7 +3567,7 @@
           <a:p>
             <a:fld id="{66CB2154-9035-4012-8189-BAAB61C5A5EE}" type="datetime1">
               <a:rPr lang="en-US" smtClean="0"/>
-              <a:t>2/24/21</a:t>
+              <a:t>2/25/21</a:t>
             </a:fld>
             <a:endParaRPr lang="en-US"/>
           </a:p>
@@ -3755,7 +3755,7 @@
           <a:p>
             <a:fld id="{6700A58B-DD98-43D0-B791-721480A02982}" type="datetime1">
               <a:rPr lang="en-US" smtClean="0"/>
-              <a:t>2/24/21</a:t>
+              <a:t>2/25/21</a:t>
             </a:fld>
             <a:endParaRPr lang="en-US"/>
           </a:p>
@@ -3961,7 +3961,7 @@
           <a:p>
             <a:fld id="{7DB6E382-4F61-4E24-BE1A-377EC83D0E3A}" type="datetime1">
               <a:rPr lang="en-US" smtClean="0"/>
-              <a:t>2/24/21</a:t>
+              <a:t>2/25/21</a:t>
             </a:fld>
             <a:endParaRPr lang="en-US"/>
           </a:p>
@@ -4367,7 +4367,7 @@
           <a:p>
             <a:fld id="{4142EED6-FC16-45B9-B8C4-2BC5DBA88325}" type="datetime1">
               <a:rPr lang="en-US" smtClean="0"/>
-              <a:t>2/24/21</a:t>
+              <a:t>2/25/21</a:t>
             </a:fld>
             <a:endParaRPr lang="en-US"/>
           </a:p>
@@ -4699,7 +4699,7 @@
           <a:p>
             <a:fld id="{DF59512B-4F1D-43D7-8819-2F53FEF69650}" type="datetime1">
               <a:rPr lang="en-US" smtClean="0"/>
-              <a:t>2/24/21</a:t>
+              <a:t>2/25/21</a:t>
             </a:fld>
             <a:endParaRPr lang="en-US"/>
           </a:p>
@@ -4989,7 +4989,7 @@
           <a:p>
             <a:fld id="{08437B94-E2BF-44DC-ADC5-B05FC9934E9D}" type="datetime1">
               <a:rPr lang="en-US" smtClean="0"/>
-              <a:t>2/24/21</a:t>
+              <a:t>2/25/21</a:t>
             </a:fld>
             <a:endParaRPr lang="en-US"/>
           </a:p>
@@ -5421,8 +5421,12 @@
           <a:lstStyle/>
           <a:p>
             <a:r>
+              <a:rPr lang="en-US"/>
+              <a:t>Text </a:t>
+            </a:r>
+            <a:r>
               <a:rPr lang="en-US" dirty="0"/>
-              <a:t>GSERM: Text Mining &amp; NLP</a:t>
+              <a:t>Mining &amp; NLP</a:t>
             </a:r>
             <a:br>
               <a:rPr lang="en-US" dirty="0"/>
@@ -5474,7 +5478,7 @@
             <a:fld id="{5738B90E-0779-4C36-915C-6F05FCD89456}" type="datetime1">
               <a:rPr lang="en-US" smtClean="0"/>
               <a:pPr/>
-              <a:t>2/24/21</a:t>
+              <a:t>2/25/21</a:t>
             </a:fld>
             <a:endParaRPr lang="en-US"/>
           </a:p>
@@ -5660,7 +5664,7 @@
           <a:p>
             <a:fld id="{6700A58B-DD98-43D0-B791-721480A02982}" type="datetime1">
               <a:rPr lang="en-US" smtClean="0"/>
-              <a:t>2/24/21</a:t>
+              <a:t>2/25/21</a:t>
             </a:fld>
             <a:endParaRPr lang="en-US"/>
           </a:p>
@@ -6069,7 +6073,7 @@
           <a:p>
             <a:fld id="{6700A58B-DD98-43D0-B791-721480A02982}" type="datetime1">
               <a:rPr lang="en-US" smtClean="0"/>
-              <a:t>2/24/21</a:t>
+              <a:t>2/25/21</a:t>
             </a:fld>
             <a:endParaRPr lang="en-US"/>
           </a:p>
@@ -6707,7 +6711,7 @@
           <a:p>
             <a:fld id="{6700A58B-DD98-43D0-B791-721480A02982}" type="datetime1">
               <a:rPr lang="en-US" smtClean="0"/>
-              <a:t>2/24/21</a:t>
+              <a:t>2/25/21</a:t>
             </a:fld>
             <a:endParaRPr lang="en-US"/>
           </a:p>
@@ -7113,7 +7117,7 @@
           <a:p>
             <a:fld id="{6700A58B-DD98-43D0-B791-721480A02982}" type="datetime1">
               <a:rPr lang="en-US" smtClean="0"/>
-              <a:t>2/24/21</a:t>
+              <a:t>2/25/21</a:t>
             </a:fld>
             <a:endParaRPr lang="en-US"/>
           </a:p>
@@ -8266,7 +8270,7 @@
           <a:p>
             <a:fld id="{D753EFC8-4232-4598-94F6-94C0EBAFC469}" type="datetime1">
               <a:rPr lang="en-US" smtClean="0"/>
-              <a:t>2/24/21</a:t>
+              <a:t>2/25/21</a:t>
             </a:fld>
             <a:endParaRPr lang="en-US"/>
           </a:p>
@@ -8432,7 +8436,7 @@
             <a:fld id="{6700A58B-DD98-43D0-B791-721480A02982}" type="datetime1">
               <a:rPr lang="en-US" smtClean="0"/>
               <a:pPr/>
-              <a:t>2/24/21</a:t>
+              <a:t>2/25/21</a:t>
             </a:fld>
             <a:endParaRPr lang="en-US"/>
           </a:p>
@@ -8789,7 +8793,7 @@
           <a:p>
             <a:fld id="{6700A58B-DD98-43D0-B791-721480A02982}" type="datetime1">
               <a:rPr lang="en-US" smtClean="0"/>
-              <a:t>2/24/21</a:t>
+              <a:t>2/25/21</a:t>
             </a:fld>
             <a:endParaRPr lang="en-US"/>
           </a:p>
@@ -9187,7 +9191,7 @@
             <a:fld id="{6700A58B-DD98-43D0-B791-721480A02982}" type="datetime1">
               <a:rPr lang="en-US" smtClean="0"/>
               <a:pPr/>
-              <a:t>2/24/21</a:t>
+              <a:t>2/25/21</a:t>
             </a:fld>
             <a:endParaRPr lang="en-US"/>
           </a:p>
@@ -9552,7 +9556,7 @@
           <a:p>
             <a:fld id="{6700A58B-DD98-43D0-B791-721480A02982}" type="datetime1">
               <a:rPr lang="en-US" smtClean="0"/>
-              <a:t>2/24/21</a:t>
+              <a:t>2/25/21</a:t>
             </a:fld>
             <a:endParaRPr lang="en-US"/>
           </a:p>
@@ -9807,7 +9811,7 @@
           <a:p>
             <a:fld id="{6700A58B-DD98-43D0-B791-721480A02982}" type="datetime1">
               <a:rPr lang="en-US" smtClean="0"/>
-              <a:t>2/24/21</a:t>
+              <a:t>2/25/21</a:t>
             </a:fld>
             <a:endParaRPr lang="en-US"/>
           </a:p>
@@ -10338,7 +10342,7 @@
           <a:p>
             <a:fld id="{6700A58B-DD98-43D0-B791-721480A02982}" type="datetime1">
               <a:rPr lang="en-US" smtClean="0"/>
-              <a:t>2/24/21</a:t>
+              <a:t>2/25/21</a:t>
             </a:fld>
             <a:endParaRPr lang="en-US"/>
           </a:p>
@@ -11152,7 +11156,7 @@
           <a:p>
             <a:fld id="{6700A58B-DD98-43D0-B791-721480A02982}" type="datetime1">
               <a:rPr lang="en-US" smtClean="0"/>
-              <a:t>2/24/21</a:t>
+              <a:t>2/25/21</a:t>
             </a:fld>
             <a:endParaRPr lang="en-US"/>
           </a:p>
@@ -11981,7 +11985,7 @@
           <a:p>
             <a:fld id="{6700A58B-DD98-43D0-B791-721480A02982}" type="datetime1">
               <a:rPr lang="en-US" smtClean="0"/>
-              <a:t>2/24/21</a:t>
+              <a:t>2/25/21</a:t>
             </a:fld>
             <a:endParaRPr lang="en-US"/>
           </a:p>
